--- a/03.Blog 程式碼顯示/BloggerIcon.pptx
+++ b/03.Blog 程式碼顯示/BloggerIcon.pptx
@@ -3543,7 +3543,7 @@
                 </a:solidFill>
                 <a:latin typeface="Arial Black" panose="020B0A04020102020204" pitchFamily="34" charset="0"/>
               </a:rPr>
-              <a:t>Syntax-Highlighter 3.8.3</a:t>
+              <a:t>Syntax-Highlighter 3.0.83</a:t>
             </a:r>
             <a:endParaRPr lang="zh-TW" altLang="en-US" b="1" dirty="0">
               <a:solidFill>
